--- a/pgturtle.pptx
+++ b/pgturtle.pptx
@@ -109,7 +109,16 @@
       </a:defRPr>
     </a:lvl9pPr>
   </p:defaultTextStyle>
+  <p:extLst>
+    <p:ext uri="{EFAFB233-063F-42B5-8137-9DF3F51BA10A}">
+      <p15:sldGuideLst xmlns:p15="http://schemas.microsoft.com/office/powerpoint/2012/main"/>
+    </p:ext>
+  </p:extLst>
 </p:presentation>
+</file>
+
+<file path=ppt/revisionInfo.xml><?xml version="1.0" encoding="utf-8"?>
+<p1510:revInfo xmlns:a="http://schemas.openxmlformats.org/drawingml/2006/main" xmlns:r="http://schemas.openxmlformats.org/officeDocument/2006/relationships" xmlns:p1510="http://schemas.microsoft.com/office/powerpoint/2015/10/main"/>
 </file>
 
 <file path=ppt/slideLayouts/slideLayout1.xml><?xml version="1.0" encoding="utf-8"?>
@@ -154,10 +163,9 @@
           </a:lstStyle>
           <a:p>
             <a:r>
-              <a:rPr lang="en-US" smtClean="0"/>
+              <a:rPr lang="en-US"/>
               <a:t>Click to edit Master title style</a:t>
             </a:r>
-            <a:endParaRPr lang="en-US"/>
           </a:p>
         </p:txBody>
       </p:sp>
@@ -219,10 +227,9 @@
           </a:lstStyle>
           <a:p>
             <a:r>
-              <a:rPr lang="en-US" smtClean="0"/>
+              <a:rPr lang="en-US"/>
               <a:t>Click to edit Master subtitle style</a:t>
             </a:r>
-            <a:endParaRPr lang="en-US"/>
           </a:p>
         </p:txBody>
       </p:sp>
@@ -243,7 +250,7 @@
           <a:p>
             <a:fld id="{752477E1-143F-4B41-A295-8F3C6F1B2D05}" type="datetimeFigureOut">
               <a:rPr lang="en-US" smtClean="0"/>
-              <a:t>2015-07-20</a:t>
+              <a:t>10/26/2017</a:t>
             </a:fld>
             <a:endParaRPr lang="en-US"/>
           </a:p>
@@ -337,10 +344,9 @@
           <a:lstStyle/>
           <a:p>
             <a:r>
-              <a:rPr lang="en-US" smtClean="0"/>
+              <a:rPr lang="en-US"/>
               <a:t>Click to edit Master title style</a:t>
             </a:r>
-            <a:endParaRPr lang="en-US"/>
           </a:p>
         </p:txBody>
       </p:sp>
@@ -361,38 +367,37 @@
           <a:p>
             <a:pPr lvl="0"/>
             <a:r>
-              <a:rPr lang="en-US" smtClean="0"/>
+              <a:rPr lang="en-US"/>
               <a:t>Click to edit Master text styles</a:t>
             </a:r>
           </a:p>
           <a:p>
             <a:pPr lvl="1"/>
             <a:r>
-              <a:rPr lang="en-US" smtClean="0"/>
+              <a:rPr lang="en-US"/>
               <a:t>Second level</a:t>
             </a:r>
           </a:p>
           <a:p>
             <a:pPr lvl="2"/>
             <a:r>
-              <a:rPr lang="en-US" smtClean="0"/>
+              <a:rPr lang="en-US"/>
               <a:t>Third level</a:t>
             </a:r>
           </a:p>
           <a:p>
             <a:pPr lvl="3"/>
             <a:r>
-              <a:rPr lang="en-US" smtClean="0"/>
+              <a:rPr lang="en-US"/>
               <a:t>Fourth level</a:t>
             </a:r>
           </a:p>
           <a:p>
             <a:pPr lvl="4"/>
             <a:r>
-              <a:rPr lang="en-US" smtClean="0"/>
+              <a:rPr lang="en-US"/>
               <a:t>Fifth level</a:t>
             </a:r>
-            <a:endParaRPr lang="en-US"/>
           </a:p>
         </p:txBody>
       </p:sp>
@@ -413,7 +418,7 @@
           <a:p>
             <a:fld id="{752477E1-143F-4B41-A295-8F3C6F1B2D05}" type="datetimeFigureOut">
               <a:rPr lang="en-US" smtClean="0"/>
-              <a:t>2015-07-20</a:t>
+              <a:t>10/26/2017</a:t>
             </a:fld>
             <a:endParaRPr lang="en-US"/>
           </a:p>
@@ -512,10 +517,9 @@
           <a:lstStyle/>
           <a:p>
             <a:r>
-              <a:rPr lang="en-US" smtClean="0"/>
+              <a:rPr lang="en-US"/>
               <a:t>Click to edit Master title style</a:t>
             </a:r>
-            <a:endParaRPr lang="en-US"/>
           </a:p>
         </p:txBody>
       </p:sp>
@@ -541,38 +545,37 @@
           <a:p>
             <a:pPr lvl="0"/>
             <a:r>
-              <a:rPr lang="en-US" smtClean="0"/>
+              <a:rPr lang="en-US"/>
               <a:t>Click to edit Master text styles</a:t>
             </a:r>
           </a:p>
           <a:p>
             <a:pPr lvl="1"/>
             <a:r>
-              <a:rPr lang="en-US" smtClean="0"/>
+              <a:rPr lang="en-US"/>
               <a:t>Second level</a:t>
             </a:r>
           </a:p>
           <a:p>
             <a:pPr lvl="2"/>
             <a:r>
-              <a:rPr lang="en-US" smtClean="0"/>
+              <a:rPr lang="en-US"/>
               <a:t>Third level</a:t>
             </a:r>
           </a:p>
           <a:p>
             <a:pPr lvl="3"/>
             <a:r>
-              <a:rPr lang="en-US" smtClean="0"/>
+              <a:rPr lang="en-US"/>
               <a:t>Fourth level</a:t>
             </a:r>
           </a:p>
           <a:p>
             <a:pPr lvl="4"/>
             <a:r>
-              <a:rPr lang="en-US" smtClean="0"/>
+              <a:rPr lang="en-US"/>
               <a:t>Fifth level</a:t>
             </a:r>
-            <a:endParaRPr lang="en-US"/>
           </a:p>
         </p:txBody>
       </p:sp>
@@ -593,7 +596,7 @@
           <a:p>
             <a:fld id="{752477E1-143F-4B41-A295-8F3C6F1B2D05}" type="datetimeFigureOut">
               <a:rPr lang="en-US" smtClean="0"/>
-              <a:t>2015-07-20</a:t>
+              <a:t>10/26/2017</a:t>
             </a:fld>
             <a:endParaRPr lang="en-US"/>
           </a:p>
@@ -687,10 +690,9 @@
           <a:lstStyle/>
           <a:p>
             <a:r>
-              <a:rPr lang="en-US" smtClean="0"/>
+              <a:rPr lang="en-US"/>
               <a:t>Click to edit Master title style</a:t>
             </a:r>
-            <a:endParaRPr lang="en-US"/>
           </a:p>
         </p:txBody>
       </p:sp>
@@ -711,38 +713,37 @@
           <a:p>
             <a:pPr lvl="0"/>
             <a:r>
-              <a:rPr lang="en-US" smtClean="0"/>
+              <a:rPr lang="en-US"/>
               <a:t>Click to edit Master text styles</a:t>
             </a:r>
           </a:p>
           <a:p>
             <a:pPr lvl="1"/>
             <a:r>
-              <a:rPr lang="en-US" smtClean="0"/>
+              <a:rPr lang="en-US"/>
               <a:t>Second level</a:t>
             </a:r>
           </a:p>
           <a:p>
             <a:pPr lvl="2"/>
             <a:r>
-              <a:rPr lang="en-US" smtClean="0"/>
+              <a:rPr lang="en-US"/>
               <a:t>Third level</a:t>
             </a:r>
           </a:p>
           <a:p>
             <a:pPr lvl="3"/>
             <a:r>
-              <a:rPr lang="en-US" smtClean="0"/>
+              <a:rPr lang="en-US"/>
               <a:t>Fourth level</a:t>
             </a:r>
           </a:p>
           <a:p>
             <a:pPr lvl="4"/>
             <a:r>
-              <a:rPr lang="en-US" smtClean="0"/>
+              <a:rPr lang="en-US"/>
               <a:t>Fifth level</a:t>
             </a:r>
-            <a:endParaRPr lang="en-US"/>
           </a:p>
         </p:txBody>
       </p:sp>
@@ -763,7 +764,7 @@
           <a:p>
             <a:fld id="{752477E1-143F-4B41-A295-8F3C6F1B2D05}" type="datetimeFigureOut">
               <a:rPr lang="en-US" smtClean="0"/>
-              <a:t>2015-07-20</a:t>
+              <a:t>10/26/2017</a:t>
             </a:fld>
             <a:endParaRPr lang="en-US"/>
           </a:p>
@@ -866,10 +867,9 @@
           </a:lstStyle>
           <a:p>
             <a:r>
-              <a:rPr lang="en-US" smtClean="0"/>
+              <a:rPr lang="en-US"/>
               <a:t>Click to edit Master title style</a:t>
             </a:r>
-            <a:endParaRPr lang="en-US"/>
           </a:p>
         </p:txBody>
       </p:sp>
@@ -986,7 +986,7 @@
           <a:p>
             <a:pPr lvl="0"/>
             <a:r>
-              <a:rPr lang="en-US" smtClean="0"/>
+              <a:rPr lang="en-US"/>
               <a:t>Click to edit Master text styles</a:t>
             </a:r>
           </a:p>
@@ -1009,7 +1009,7 @@
           <a:p>
             <a:fld id="{752477E1-143F-4B41-A295-8F3C6F1B2D05}" type="datetimeFigureOut">
               <a:rPr lang="en-US" smtClean="0"/>
-              <a:t>2015-07-20</a:t>
+              <a:t>10/26/2017</a:t>
             </a:fld>
             <a:endParaRPr lang="en-US"/>
           </a:p>
@@ -1103,10 +1103,9 @@
           <a:lstStyle/>
           <a:p>
             <a:r>
-              <a:rPr lang="en-US" smtClean="0"/>
+              <a:rPr lang="en-US"/>
               <a:t>Click to edit Master title style</a:t>
             </a:r>
-            <a:endParaRPr lang="en-US"/>
           </a:p>
         </p:txBody>
       </p:sp>
@@ -1132,38 +1131,37 @@
           <a:p>
             <a:pPr lvl="0"/>
             <a:r>
-              <a:rPr lang="en-US" smtClean="0"/>
+              <a:rPr lang="en-US"/>
               <a:t>Click to edit Master text styles</a:t>
             </a:r>
           </a:p>
           <a:p>
             <a:pPr lvl="1"/>
             <a:r>
-              <a:rPr lang="en-US" smtClean="0"/>
+              <a:rPr lang="en-US"/>
               <a:t>Second level</a:t>
             </a:r>
           </a:p>
           <a:p>
             <a:pPr lvl="2"/>
             <a:r>
-              <a:rPr lang="en-US" smtClean="0"/>
+              <a:rPr lang="en-US"/>
               <a:t>Third level</a:t>
             </a:r>
           </a:p>
           <a:p>
             <a:pPr lvl="3"/>
             <a:r>
-              <a:rPr lang="en-US" smtClean="0"/>
+              <a:rPr lang="en-US"/>
               <a:t>Fourth level</a:t>
             </a:r>
           </a:p>
           <a:p>
             <a:pPr lvl="4"/>
             <a:r>
-              <a:rPr lang="en-US" smtClean="0"/>
+              <a:rPr lang="en-US"/>
               <a:t>Fifth level</a:t>
             </a:r>
-            <a:endParaRPr lang="en-US"/>
           </a:p>
         </p:txBody>
       </p:sp>
@@ -1189,38 +1187,37 @@
           <a:p>
             <a:pPr lvl="0"/>
             <a:r>
-              <a:rPr lang="en-US" smtClean="0"/>
+              <a:rPr lang="en-US"/>
               <a:t>Click to edit Master text styles</a:t>
             </a:r>
           </a:p>
           <a:p>
             <a:pPr lvl="1"/>
             <a:r>
-              <a:rPr lang="en-US" smtClean="0"/>
+              <a:rPr lang="en-US"/>
               <a:t>Second level</a:t>
             </a:r>
           </a:p>
           <a:p>
             <a:pPr lvl="2"/>
             <a:r>
-              <a:rPr lang="en-US" smtClean="0"/>
+              <a:rPr lang="en-US"/>
               <a:t>Third level</a:t>
             </a:r>
           </a:p>
           <a:p>
             <a:pPr lvl="3"/>
             <a:r>
-              <a:rPr lang="en-US" smtClean="0"/>
+              <a:rPr lang="en-US"/>
               <a:t>Fourth level</a:t>
             </a:r>
           </a:p>
           <a:p>
             <a:pPr lvl="4"/>
             <a:r>
-              <a:rPr lang="en-US" smtClean="0"/>
+              <a:rPr lang="en-US"/>
               <a:t>Fifth level</a:t>
             </a:r>
-            <a:endParaRPr lang="en-US"/>
           </a:p>
         </p:txBody>
       </p:sp>
@@ -1241,7 +1238,7 @@
           <a:p>
             <a:fld id="{752477E1-143F-4B41-A295-8F3C6F1B2D05}" type="datetimeFigureOut">
               <a:rPr lang="en-US" smtClean="0"/>
-              <a:t>2015-07-20</a:t>
+              <a:t>10/26/2017</a:t>
             </a:fld>
             <a:endParaRPr lang="en-US"/>
           </a:p>
@@ -1340,10 +1337,9 @@
           <a:lstStyle/>
           <a:p>
             <a:r>
-              <a:rPr lang="en-US" smtClean="0"/>
+              <a:rPr lang="en-US"/>
               <a:t>Click to edit Master title style</a:t>
             </a:r>
-            <a:endParaRPr lang="en-US"/>
           </a:p>
         </p:txBody>
       </p:sp>
@@ -1406,7 +1402,7 @@
           <a:p>
             <a:pPr lvl="0"/>
             <a:r>
-              <a:rPr lang="en-US" smtClean="0"/>
+              <a:rPr lang="en-US"/>
               <a:t>Click to edit Master text styles</a:t>
             </a:r>
           </a:p>
@@ -1434,38 +1430,37 @@
           <a:p>
             <a:pPr lvl="0"/>
             <a:r>
-              <a:rPr lang="en-US" smtClean="0"/>
+              <a:rPr lang="en-US"/>
               <a:t>Click to edit Master text styles</a:t>
             </a:r>
           </a:p>
           <a:p>
             <a:pPr lvl="1"/>
             <a:r>
-              <a:rPr lang="en-US" smtClean="0"/>
+              <a:rPr lang="en-US"/>
               <a:t>Second level</a:t>
             </a:r>
           </a:p>
           <a:p>
             <a:pPr lvl="2"/>
             <a:r>
-              <a:rPr lang="en-US" smtClean="0"/>
+              <a:rPr lang="en-US"/>
               <a:t>Third level</a:t>
             </a:r>
           </a:p>
           <a:p>
             <a:pPr lvl="3"/>
             <a:r>
-              <a:rPr lang="en-US" smtClean="0"/>
+              <a:rPr lang="en-US"/>
               <a:t>Fourth level</a:t>
             </a:r>
           </a:p>
           <a:p>
             <a:pPr lvl="4"/>
             <a:r>
-              <a:rPr lang="en-US" smtClean="0"/>
+              <a:rPr lang="en-US"/>
               <a:t>Fifth level</a:t>
             </a:r>
-            <a:endParaRPr lang="en-US"/>
           </a:p>
         </p:txBody>
       </p:sp>
@@ -1528,7 +1523,7 @@
           <a:p>
             <a:pPr lvl="0"/>
             <a:r>
-              <a:rPr lang="en-US" smtClean="0"/>
+              <a:rPr lang="en-US"/>
               <a:t>Click to edit Master text styles</a:t>
             </a:r>
           </a:p>
@@ -1556,38 +1551,37 @@
           <a:p>
             <a:pPr lvl="0"/>
             <a:r>
-              <a:rPr lang="en-US" smtClean="0"/>
+              <a:rPr lang="en-US"/>
               <a:t>Click to edit Master text styles</a:t>
             </a:r>
           </a:p>
           <a:p>
             <a:pPr lvl="1"/>
             <a:r>
-              <a:rPr lang="en-US" smtClean="0"/>
+              <a:rPr lang="en-US"/>
               <a:t>Second level</a:t>
             </a:r>
           </a:p>
           <a:p>
             <a:pPr lvl="2"/>
             <a:r>
-              <a:rPr lang="en-US" smtClean="0"/>
+              <a:rPr lang="en-US"/>
               <a:t>Third level</a:t>
             </a:r>
           </a:p>
           <a:p>
             <a:pPr lvl="3"/>
             <a:r>
-              <a:rPr lang="en-US" smtClean="0"/>
+              <a:rPr lang="en-US"/>
               <a:t>Fourth level</a:t>
             </a:r>
           </a:p>
           <a:p>
             <a:pPr lvl="4"/>
             <a:r>
-              <a:rPr lang="en-US" smtClean="0"/>
+              <a:rPr lang="en-US"/>
               <a:t>Fifth level</a:t>
             </a:r>
-            <a:endParaRPr lang="en-US"/>
           </a:p>
         </p:txBody>
       </p:sp>
@@ -1608,7 +1602,7 @@
           <a:p>
             <a:fld id="{752477E1-143F-4B41-A295-8F3C6F1B2D05}" type="datetimeFigureOut">
               <a:rPr lang="en-US" smtClean="0"/>
-              <a:t>2015-07-20</a:t>
+              <a:t>10/26/2017</a:t>
             </a:fld>
             <a:endParaRPr lang="en-US"/>
           </a:p>
@@ -1702,10 +1696,9 @@
           <a:lstStyle/>
           <a:p>
             <a:r>
-              <a:rPr lang="en-US" smtClean="0"/>
+              <a:rPr lang="en-US"/>
               <a:t>Click to edit Master title style</a:t>
             </a:r>
-            <a:endParaRPr lang="en-US"/>
           </a:p>
         </p:txBody>
       </p:sp>
@@ -1726,7 +1719,7 @@
           <a:p>
             <a:fld id="{752477E1-143F-4B41-A295-8F3C6F1B2D05}" type="datetimeFigureOut">
               <a:rPr lang="en-US" smtClean="0"/>
-              <a:t>2015-07-20</a:t>
+              <a:t>10/26/2017</a:t>
             </a:fld>
             <a:endParaRPr lang="en-US"/>
           </a:p>
@@ -1821,7 +1814,7 @@
           <a:p>
             <a:fld id="{752477E1-143F-4B41-A295-8F3C6F1B2D05}" type="datetimeFigureOut">
               <a:rPr lang="en-US" smtClean="0"/>
-              <a:t>2015-07-20</a:t>
+              <a:t>10/26/2017</a:t>
             </a:fld>
             <a:endParaRPr lang="en-US"/>
           </a:p>
@@ -1924,10 +1917,9 @@
           </a:lstStyle>
           <a:p>
             <a:r>
-              <a:rPr lang="en-US" smtClean="0"/>
+              <a:rPr lang="en-US"/>
               <a:t>Click to edit Master title style</a:t>
             </a:r>
-            <a:endParaRPr lang="en-US"/>
           </a:p>
         </p:txBody>
       </p:sp>
@@ -1981,38 +1973,37 @@
           <a:p>
             <a:pPr lvl="0"/>
             <a:r>
-              <a:rPr lang="en-US" smtClean="0"/>
+              <a:rPr lang="en-US"/>
               <a:t>Click to edit Master text styles</a:t>
             </a:r>
           </a:p>
           <a:p>
             <a:pPr lvl="1"/>
             <a:r>
-              <a:rPr lang="en-US" smtClean="0"/>
+              <a:rPr lang="en-US"/>
               <a:t>Second level</a:t>
             </a:r>
           </a:p>
           <a:p>
             <a:pPr lvl="2"/>
             <a:r>
-              <a:rPr lang="en-US" smtClean="0"/>
+              <a:rPr lang="en-US"/>
               <a:t>Third level</a:t>
             </a:r>
           </a:p>
           <a:p>
             <a:pPr lvl="3"/>
             <a:r>
-              <a:rPr lang="en-US" smtClean="0"/>
+              <a:rPr lang="en-US"/>
               <a:t>Fourth level</a:t>
             </a:r>
           </a:p>
           <a:p>
             <a:pPr lvl="4"/>
             <a:r>
-              <a:rPr lang="en-US" smtClean="0"/>
+              <a:rPr lang="en-US"/>
               <a:t>Fifth level</a:t>
             </a:r>
-            <a:endParaRPr lang="en-US"/>
           </a:p>
         </p:txBody>
       </p:sp>
@@ -2075,7 +2066,7 @@
           <a:p>
             <a:pPr lvl="0"/>
             <a:r>
-              <a:rPr lang="en-US" smtClean="0"/>
+              <a:rPr lang="en-US"/>
               <a:t>Click to edit Master text styles</a:t>
             </a:r>
           </a:p>
@@ -2098,7 +2089,7 @@
           <a:p>
             <a:fld id="{752477E1-143F-4B41-A295-8F3C6F1B2D05}" type="datetimeFigureOut">
               <a:rPr lang="en-US" smtClean="0"/>
-              <a:t>2015-07-20</a:t>
+              <a:t>10/26/2017</a:t>
             </a:fld>
             <a:endParaRPr lang="en-US"/>
           </a:p>
@@ -2201,10 +2192,9 @@
           </a:lstStyle>
           <a:p>
             <a:r>
-              <a:rPr lang="en-US" smtClean="0"/>
+              <a:rPr lang="en-US"/>
               <a:t>Click to edit Master title style</a:t>
             </a:r>
-            <a:endParaRPr lang="en-US"/>
           </a:p>
         </p:txBody>
       </p:sp>
@@ -2328,7 +2318,7 @@
           <a:p>
             <a:pPr lvl="0"/>
             <a:r>
-              <a:rPr lang="en-US" smtClean="0"/>
+              <a:rPr lang="en-US"/>
               <a:t>Click to edit Master text styles</a:t>
             </a:r>
           </a:p>
@@ -2351,7 +2341,7 @@
           <a:p>
             <a:fld id="{752477E1-143F-4B41-A295-8F3C6F1B2D05}" type="datetimeFigureOut">
               <a:rPr lang="en-US" smtClean="0"/>
-              <a:t>2015-07-20</a:t>
+              <a:t>10/26/2017</a:t>
             </a:fld>
             <a:endParaRPr lang="en-US"/>
           </a:p>
@@ -2460,10 +2450,9 @@
           <a:lstStyle/>
           <a:p>
             <a:r>
-              <a:rPr lang="en-US" smtClean="0"/>
+              <a:rPr lang="en-US"/>
               <a:t>Click to edit Master title style</a:t>
             </a:r>
-            <a:endParaRPr lang="en-US"/>
           </a:p>
         </p:txBody>
       </p:sp>
@@ -2494,38 +2483,37 @@
           <a:p>
             <a:pPr lvl="0"/>
             <a:r>
-              <a:rPr lang="en-US" smtClean="0"/>
+              <a:rPr lang="en-US"/>
               <a:t>Click to edit Master text styles</a:t>
             </a:r>
           </a:p>
           <a:p>
             <a:pPr lvl="1"/>
             <a:r>
-              <a:rPr lang="en-US" smtClean="0"/>
+              <a:rPr lang="en-US"/>
               <a:t>Second level</a:t>
             </a:r>
           </a:p>
           <a:p>
             <a:pPr lvl="2"/>
             <a:r>
-              <a:rPr lang="en-US" smtClean="0"/>
+              <a:rPr lang="en-US"/>
               <a:t>Third level</a:t>
             </a:r>
           </a:p>
           <a:p>
             <a:pPr lvl="3"/>
             <a:r>
-              <a:rPr lang="en-US" smtClean="0"/>
+              <a:rPr lang="en-US"/>
               <a:t>Fourth level</a:t>
             </a:r>
           </a:p>
           <a:p>
             <a:pPr lvl="4"/>
             <a:r>
-              <a:rPr lang="en-US" smtClean="0"/>
+              <a:rPr lang="en-US"/>
               <a:t>Fifth level</a:t>
             </a:r>
-            <a:endParaRPr lang="en-US"/>
           </a:p>
         </p:txBody>
       </p:sp>
@@ -2564,7 +2552,7 @@
           <a:p>
             <a:fld id="{752477E1-143F-4B41-A295-8F3C6F1B2D05}" type="datetimeFigureOut">
               <a:rPr lang="en-US" smtClean="0"/>
-              <a:t>2015-07-20</a:t>
+              <a:t>10/26/2017</a:t>
             </a:fld>
             <a:endParaRPr lang="en-US"/>
           </a:p>
@@ -2985,7 +2973,7 @@
           <a:lstStyle/>
           <a:p>
             <a:r>
-              <a:rPr lang="en-US" dirty="0" err="1" smtClean="0"/>
+              <a:rPr lang="en-US" dirty="0" err="1"/>
               <a:t>pgturtle</a:t>
             </a:r>
             <a:endParaRPr lang="en-US" dirty="0"/>
@@ -3057,10 +3045,9 @@
           <a:lstStyle/>
           <a:p>
             <a:r>
-              <a:rPr lang="en-US" dirty="0" smtClean="0"/>
+              <a:rPr lang="en-US" dirty="0"/>
               <a:t>In a nutshell</a:t>
             </a:r>
-            <a:endParaRPr lang="en-US" dirty="0"/>
           </a:p>
         </p:txBody>
       </p:sp>
@@ -3083,7 +3070,7 @@
               <a:buNone/>
             </a:pPr>
             <a:r>
-              <a:rPr lang="en-US" dirty="0" smtClean="0"/>
+              <a:rPr lang="en-US" dirty="0"/>
               <a:t>It’s not best practice to call long-running processes from within your PostgreSQL database, blocking a transaction for a long time.</a:t>
             </a:r>
           </a:p>
@@ -3098,14 +3085,13 @@
               <a:buNone/>
             </a:pPr>
             <a:r>
-              <a:rPr lang="en-US" dirty="0" err="1" smtClean="0"/>
+              <a:rPr lang="en-US" dirty="0" err="1"/>
               <a:t>pgturtles</a:t>
             </a:r>
             <a:r>
-              <a:rPr lang="en-US" dirty="0" smtClean="0"/>
+              <a:rPr lang="en-US" dirty="0"/>
               <a:t> fetches tasks to execute from a table. Gets data for standard input, check for exit status, and save output in table.</a:t>
             </a:r>
-            <a:endParaRPr lang="en-US" dirty="0"/>
           </a:p>
         </p:txBody>
       </p:sp>
@@ -3155,10 +3141,9 @@
           <a:lstStyle/>
           <a:p>
             <a:r>
-              <a:rPr lang="en-US" dirty="0" smtClean="0"/>
+              <a:rPr lang="en-US" dirty="0"/>
               <a:t>Features</a:t>
             </a:r>
-            <a:endParaRPr lang="en-US" dirty="0"/>
           </a:p>
         </p:txBody>
       </p:sp>
@@ -3178,55 +3163,54 @@
           <a:lstStyle/>
           <a:p>
             <a:r>
-              <a:rPr lang="en-US" dirty="0" smtClean="0"/>
+              <a:rPr lang="en-US" dirty="0"/>
               <a:t>Notification channel to avoid table polling.</a:t>
             </a:r>
           </a:p>
           <a:p>
             <a:r>
-              <a:rPr lang="en-US" dirty="0" smtClean="0"/>
+              <a:rPr lang="en-US" dirty="0"/>
               <a:t>Automatic reconnect when connection is down.</a:t>
             </a:r>
           </a:p>
           <a:p>
             <a:r>
-              <a:rPr lang="en-US" dirty="0" smtClean="0"/>
+              <a:rPr lang="en-US" dirty="0"/>
               <a:t>Graceful shutdown by waiting for task completion first.</a:t>
             </a:r>
           </a:p>
           <a:p>
             <a:r>
-              <a:rPr lang="en-US" dirty="0" smtClean="0"/>
+              <a:rPr lang="en-US" dirty="0"/>
               <a:t>Define multiple worker, each having:</a:t>
             </a:r>
           </a:p>
           <a:p>
             <a:pPr lvl="1"/>
             <a:r>
-              <a:rPr lang="en-US" dirty="0" smtClean="0"/>
+              <a:rPr lang="en-US" dirty="0"/>
               <a:t>Name of program</a:t>
             </a:r>
           </a:p>
           <a:p>
             <a:pPr lvl="1"/>
             <a:r>
-              <a:rPr lang="en-US" dirty="0" smtClean="0"/>
+              <a:rPr lang="en-US" dirty="0"/>
               <a:t>Arguments to pass</a:t>
             </a:r>
           </a:p>
           <a:p>
             <a:pPr lvl="1"/>
             <a:r>
-              <a:rPr lang="en-US" dirty="0" smtClean="0"/>
+              <a:rPr lang="en-US" dirty="0"/>
               <a:t>Maximum execution time</a:t>
             </a:r>
           </a:p>
           <a:p>
             <a:r>
-              <a:rPr lang="en-US" dirty="0" smtClean="0"/>
+              <a:rPr lang="en-US" dirty="0"/>
               <a:t>Tasks in table tell which worker to be used</a:t>
             </a:r>
-            <a:endParaRPr lang="en-US" dirty="0"/>
           </a:p>
         </p:txBody>
       </p:sp>
@@ -3276,10 +3260,9 @@
           <a:lstStyle/>
           <a:p>
             <a:r>
-              <a:rPr lang="en-US" dirty="0" smtClean="0"/>
+              <a:rPr lang="en-US" dirty="0"/>
               <a:t>Table</a:t>
             </a:r>
-            <a:endParaRPr lang="en-US" dirty="0"/>
           </a:p>
         </p:txBody>
       </p:sp>
@@ -3295,100 +3278,108 @@
         </p:nvSpPr>
         <p:spPr/>
         <p:txBody>
-          <a:bodyPr/>
-          <a:lstStyle/>
-          <a:p>
-            <a:r>
-              <a:rPr lang="en-US" dirty="0" smtClean="0"/>
+          <a:bodyPr>
+            <a:normAutofit lnSpcReduction="10000"/>
+          </a:bodyPr>
+          <a:lstStyle/>
+          <a:p>
+            <a:r>
+              <a:rPr lang="en-US" dirty="0"/>
               <a:t>Trigger to notify </a:t>
             </a:r>
             <a:r>
-              <a:rPr lang="en-US" dirty="0" err="1" smtClean="0"/>
+              <a:rPr lang="en-US" dirty="0" err="1"/>
               <a:t>pgturtle</a:t>
             </a:r>
             <a:r>
-              <a:rPr lang="en-US" dirty="0" smtClean="0"/>
+              <a:rPr lang="en-US" dirty="0"/>
               <a:t> using notification channel</a:t>
             </a:r>
           </a:p>
           <a:p>
             <a:r>
-              <a:rPr lang="en-US" dirty="0" smtClean="0"/>
+              <a:rPr lang="en-US" dirty="0"/>
               <a:t>Columns</a:t>
             </a:r>
           </a:p>
           <a:p>
             <a:pPr lvl="1"/>
             <a:r>
-              <a:rPr lang="en-US" dirty="0" err="1" smtClean="0"/>
+              <a:rPr lang="en-US" dirty="0" err="1"/>
               <a:t>task_id</a:t>
             </a:r>
             <a:r>
-              <a:rPr lang="en-US" dirty="0" smtClean="0"/>
+              <a:rPr lang="en-US" dirty="0"/>
               <a:t>, auto-increment unique ID</a:t>
             </a:r>
           </a:p>
           <a:p>
             <a:pPr lvl="1"/>
             <a:r>
-              <a:rPr lang="en-US" dirty="0" smtClean="0"/>
+              <a:rPr lang="en-US" dirty="0"/>
               <a:t>worker, name of worker to process this task</a:t>
             </a:r>
           </a:p>
           <a:p>
             <a:pPr lvl="1"/>
             <a:r>
-              <a:rPr lang="en-US" dirty="0" err="1" smtClean="0"/>
+              <a:rPr lang="en-US" dirty="0" err="1"/>
               <a:t>insert_time</a:t>
             </a:r>
             <a:r>
-              <a:rPr lang="en-US" dirty="0" smtClean="0"/>
+              <a:rPr lang="en-US" dirty="0"/>
               <a:t>, time of task creation</a:t>
             </a:r>
           </a:p>
           <a:p>
             <a:pPr lvl="1"/>
             <a:r>
-              <a:rPr lang="en-US" dirty="0" err="1" smtClean="0"/>
+              <a:rPr lang="en-US" dirty="0" err="1"/>
               <a:t>begin_time</a:t>
             </a:r>
             <a:r>
-              <a:rPr lang="en-US" dirty="0" smtClean="0"/>
+              <a:rPr lang="en-US" dirty="0"/>
               <a:t>, time when task started running</a:t>
             </a:r>
           </a:p>
           <a:p>
             <a:pPr lvl="1"/>
             <a:r>
-              <a:rPr lang="en-US" dirty="0" err="1" smtClean="0"/>
+              <a:rPr lang="en-US" dirty="0" err="1"/>
               <a:t>end_time</a:t>
             </a:r>
             <a:r>
-              <a:rPr lang="en-US" dirty="0" smtClean="0"/>
+              <a:rPr lang="en-US" dirty="0"/>
               <a:t>, time when task completed</a:t>
             </a:r>
           </a:p>
           <a:p>
             <a:pPr lvl="1"/>
             <a:r>
-              <a:rPr lang="en-US" dirty="0" smtClean="0"/>
+              <a:rPr lang="en-US" dirty="0"/>
               <a:t>status</a:t>
             </a:r>
           </a:p>
           <a:p>
             <a:pPr lvl="1"/>
             <a:r>
-              <a:rPr lang="en-US" dirty="0" smtClean="0"/>
-              <a:t>parameters, raw data to provide as standard input</a:t>
+              <a:rPr lang="en-US" dirty="0"/>
+              <a:t>parameters, parameters to be provided on command line (--key1 value1)</a:t>
             </a:r>
           </a:p>
           <a:p>
             <a:pPr lvl="1"/>
             <a:r>
-              <a:rPr lang="en-US" dirty="0" smtClean="0"/>
+              <a:rPr lang="en-US" dirty="0"/>
+              <a:t>data, raw data to provide as standard input</a:t>
+            </a:r>
+          </a:p>
+          <a:p>
+            <a:pPr lvl="1"/>
+            <a:r>
+              <a:rPr lang="en-US" dirty="0"/>
               <a:t>result, standard output and standard error</a:t>
             </a:r>
-            <a:endParaRPr lang="en-US" dirty="0"/>
           </a:p>
         </p:txBody>
       </p:sp>
@@ -3438,10 +3429,9 @@
           <a:lstStyle/>
           <a:p>
             <a:r>
-              <a:rPr lang="en-US" dirty="0" smtClean="0"/>
+              <a:rPr lang="en-US" dirty="0"/>
               <a:t>Status</a:t>
             </a:r>
-            <a:endParaRPr lang="en-US" dirty="0"/>
           </a:p>
         </p:txBody>
       </p:sp>
@@ -3461,67 +3451,66 @@
           <a:lstStyle/>
           <a:p>
             <a:r>
-              <a:rPr lang="en-US" dirty="0" smtClean="0"/>
+              <a:rPr lang="en-US" dirty="0"/>
               <a:t>Defined as </a:t>
             </a:r>
             <a:r>
-              <a:rPr lang="en-US" dirty="0" err="1" smtClean="0"/>
+              <a:rPr lang="en-US" dirty="0" err="1"/>
               <a:t>task_status</a:t>
             </a:r>
             <a:r>
-              <a:rPr lang="en-US" dirty="0" smtClean="0"/>
+              <a:rPr lang="en-US" dirty="0"/>
               <a:t> </a:t>
             </a:r>
             <a:r>
-              <a:rPr lang="en-US" dirty="0" err="1" smtClean="0"/>
+              <a:rPr lang="en-US" dirty="0" err="1"/>
               <a:t>enum</a:t>
             </a:r>
             <a:r>
-              <a:rPr lang="en-US" dirty="0" smtClean="0"/>
+              <a:rPr lang="en-US" dirty="0"/>
               <a:t> type</a:t>
             </a:r>
           </a:p>
           <a:p>
             <a:r>
-              <a:rPr lang="en-US" dirty="0" smtClean="0"/>
+              <a:rPr lang="en-US" dirty="0"/>
               <a:t>Values:</a:t>
             </a:r>
           </a:p>
           <a:p>
             <a:pPr lvl="1"/>
             <a:r>
-              <a:rPr lang="en-US" dirty="0" smtClean="0"/>
+              <a:rPr lang="en-US" dirty="0"/>
               <a:t>waiting: not ready for execution yet</a:t>
             </a:r>
           </a:p>
           <a:p>
             <a:pPr lvl="1"/>
             <a:r>
-              <a:rPr lang="en-US" dirty="0" smtClean="0"/>
+              <a:rPr lang="en-US" dirty="0"/>
               <a:t>queued: ready for execution</a:t>
             </a:r>
           </a:p>
           <a:p>
             <a:pPr lvl="1"/>
             <a:r>
-              <a:rPr lang="en-US" dirty="0" smtClean="0"/>
+              <a:rPr lang="en-US" dirty="0"/>
               <a:t>running: being executed by a worker</a:t>
             </a:r>
           </a:p>
           <a:p>
             <a:pPr lvl="1"/>
             <a:r>
-              <a:rPr lang="en-US" dirty="0" smtClean="0"/>
+              <a:rPr lang="en-US" dirty="0"/>
               <a:t>completed: ran successfully</a:t>
             </a:r>
           </a:p>
           <a:p>
             <a:pPr lvl="1"/>
             <a:r>
-              <a:rPr lang="en-US" dirty="0" smtClean="0"/>
+              <a:rPr lang="en-US" dirty="0"/>
               <a:t>failed: something bad happened during execution</a:t>
             </a:r>
-            <a:endParaRPr lang="en-US" dirty="0"/>
           </a:p>
         </p:txBody>
       </p:sp>
@@ -3571,11 +3560,11 @@
           <a:lstStyle/>
           <a:p>
             <a:r>
-              <a:rPr lang="en-US" dirty="0" smtClean="0"/>
+              <a:rPr lang="en-US" dirty="0"/>
               <a:t>Sample </a:t>
             </a:r>
             <a:r>
-              <a:rPr lang="en-US" dirty="0" err="1" smtClean="0"/>
+              <a:rPr lang="en-US" dirty="0" err="1"/>
               <a:t>config</a:t>
             </a:r>
             <a:endParaRPr lang="en-US" dirty="0"/>
@@ -3595,7 +3584,7 @@
         <p:spPr/>
         <p:txBody>
           <a:bodyPr>
-            <a:normAutofit fontScale="62500" lnSpcReduction="20000"/>
+            <a:normAutofit fontScale="55000" lnSpcReduction="20000"/>
           </a:bodyPr>
           <a:lstStyle/>
           <a:p>
@@ -3603,7 +3592,7 @@
               <a:buNone/>
             </a:pPr>
             <a:r>
-              <a:rPr lang="en-US" dirty="0" smtClean="0">
+              <a:rPr lang="en-US" dirty="0">
                 <a:latin typeface="Consolas" panose="020B0609020204030204" pitchFamily="49" charset="0"/>
                 <a:cs typeface="Consolas" panose="020B0609020204030204" pitchFamily="49" charset="0"/>
               </a:rPr>
@@ -3624,7 +3613,7 @@
               <a:buNone/>
             </a:pPr>
             <a:r>
-              <a:rPr lang="en-US" dirty="0" smtClean="0">
+              <a:rPr lang="en-US" dirty="0">
                 <a:latin typeface="Consolas" panose="020B0609020204030204" pitchFamily="49" charset="0"/>
                 <a:cs typeface="Consolas" panose="020B0609020204030204" pitchFamily="49" charset="0"/>
               </a:rPr>
@@ -3635,7 +3624,7 @@
             <a:pPr marL="0" indent="0">
               <a:buNone/>
             </a:pPr>
-            <a:endParaRPr lang="en-US" dirty="0" smtClean="0">
+            <a:endParaRPr lang="en-US" dirty="0">
               <a:latin typeface="Consolas" panose="020B0609020204030204" pitchFamily="49" charset="0"/>
               <a:cs typeface="Consolas" panose="020B0609020204030204" pitchFamily="49" charset="0"/>
             </a:endParaRPr>
@@ -3645,21 +3634,21 @@
               <a:buNone/>
             </a:pPr>
             <a:r>
-              <a:rPr lang="en-US" dirty="0" smtClean="0">
+              <a:rPr lang="en-US" dirty="0">
                 <a:latin typeface="Consolas" panose="020B0609020204030204" pitchFamily="49" charset="0"/>
                 <a:cs typeface="Consolas" panose="020B0609020204030204" pitchFamily="49" charset="0"/>
               </a:rPr>
               <a:t>[</a:t>
             </a:r>
             <a:r>
-              <a:rPr lang="en-US" dirty="0" err="1" smtClean="0">
+              <a:rPr lang="en-US" dirty="0" err="1">
                 <a:latin typeface="Consolas" panose="020B0609020204030204" pitchFamily="49" charset="0"/>
                 <a:cs typeface="Consolas" panose="020B0609020204030204" pitchFamily="49" charset="0"/>
               </a:rPr>
               <a:t>workers.echo</a:t>
             </a:r>
             <a:r>
-              <a:rPr lang="en-US" dirty="0" smtClean="0">
+              <a:rPr lang="en-US" dirty="0">
                 <a:latin typeface="Consolas" panose="020B0609020204030204" pitchFamily="49" charset="0"/>
                 <a:cs typeface="Consolas" panose="020B0609020204030204" pitchFamily="49" charset="0"/>
               </a:rPr>
@@ -3671,7 +3660,7 @@
               <a:buNone/>
             </a:pPr>
             <a:r>
-              <a:rPr lang="en-US" dirty="0" smtClean="0">
+              <a:rPr lang="en-US" dirty="0">
                 <a:latin typeface="Consolas" panose="020B0609020204030204" pitchFamily="49" charset="0"/>
                 <a:cs typeface="Consolas" panose="020B0609020204030204" pitchFamily="49" charset="0"/>
               </a:rPr>
@@ -3683,7 +3672,7 @@
               <a:buNone/>
             </a:pPr>
             <a:r>
-              <a:rPr lang="en-US" dirty="0" smtClean="0">
+              <a:rPr lang="en-US" dirty="0">
                 <a:latin typeface="Consolas" panose="020B0609020204030204" pitchFamily="49" charset="0"/>
                 <a:cs typeface="Consolas" panose="020B0609020204030204" pitchFamily="49" charset="0"/>
               </a:rPr>
@@ -3695,27 +3684,58 @@
               <a:buNone/>
             </a:pPr>
             <a:r>
-              <a:rPr lang="en-US" dirty="0" err="1" smtClean="0">
+              <a:rPr lang="en-US" dirty="0" err="1">
                 <a:latin typeface="Consolas" panose="020B0609020204030204" pitchFamily="49" charset="0"/>
                 <a:cs typeface="Consolas" panose="020B0609020204030204" pitchFamily="49" charset="0"/>
               </a:rPr>
               <a:t>timeout_secs</a:t>
             </a:r>
             <a:r>
-              <a:rPr lang="en-US" dirty="0" smtClean="0">
+              <a:rPr lang="en-US" dirty="0">
                 <a:latin typeface="Consolas" panose="020B0609020204030204" pitchFamily="49" charset="0"/>
                 <a:cs typeface="Consolas" panose="020B0609020204030204" pitchFamily="49" charset="0"/>
               </a:rPr>
-              <a:t> = 1 # maximum </a:t>
-            </a:r>
-            <a:r>
-              <a:rPr lang="en-US" smtClean="0">
+              <a:t> = 1 # maximum execution time</a:t>
+            </a:r>
+          </a:p>
+          <a:p>
+            <a:pPr marL="0" indent="0">
+              <a:buNone/>
+            </a:pPr>
+            <a:r>
+              <a:rPr lang="en-US" dirty="0" err="1">
                 <a:latin typeface="Consolas" panose="020B0609020204030204" pitchFamily="49" charset="0"/>
                 <a:cs typeface="Consolas" panose="020B0609020204030204" pitchFamily="49" charset="0"/>
               </a:rPr>
-              <a:t>execution time</a:t>
-            </a:r>
-            <a:endParaRPr lang="en-US" dirty="0" smtClean="0">
+              <a:t>allow_parameters</a:t>
+            </a:r>
+            <a:r>
+              <a:rPr lang="en-US" dirty="0">
+                <a:latin typeface="Consolas" panose="020B0609020204030204" pitchFamily="49" charset="0"/>
+                <a:cs typeface="Consolas" panose="020B0609020204030204" pitchFamily="49" charset="0"/>
+              </a:rPr>
+              <a:t> </a:t>
+            </a:r>
+            <a:r>
+              <a:rPr lang="en-US">
+                <a:latin typeface="Consolas" panose="020B0609020204030204" pitchFamily="49" charset="0"/>
+                <a:cs typeface="Consolas" panose="020B0609020204030204" pitchFamily="49" charset="0"/>
+              </a:rPr>
+              <a:t>= true </a:t>
+            </a:r>
+            <a:r>
+              <a:rPr lang="en-US" dirty="0">
+                <a:latin typeface="Consolas" panose="020B0609020204030204" pitchFamily="49" charset="0"/>
+                <a:cs typeface="Consolas" panose="020B0609020204030204" pitchFamily="49" charset="0"/>
+              </a:rPr>
+              <a:t># allow parameters to be passed to script</a:t>
+            </a:r>
+          </a:p>
+          <a:p>
+            <a:pPr marL="0" indent="0">
+              <a:buNone/>
+            </a:pPr>
+            <a:endParaRPr lang="en-US" dirty="0">
               <a:latin typeface="Consolas" panose="020B0609020204030204" pitchFamily="49" charset="0"/>
               <a:cs typeface="Consolas" panose="020B0609020204030204" pitchFamily="49" charset="0"/>
             </a:endParaRPr>
@@ -3724,31 +3744,22 @@
             <a:pPr marL="0" indent="0">
               <a:buNone/>
             </a:pPr>
-            <a:endParaRPr lang="en-US" dirty="0" smtClean="0">
-              <a:latin typeface="Consolas" panose="020B0609020204030204" pitchFamily="49" charset="0"/>
-              <a:cs typeface="Consolas" panose="020B0609020204030204" pitchFamily="49" charset="0"/>
-            </a:endParaRPr>
-          </a:p>
-          <a:p>
-            <a:pPr marL="0" indent="0">
-              <a:buNone/>
-            </a:pPr>
-            <a:r>
-              <a:rPr lang="en-US" dirty="0" smtClean="0">
+            <a:r>
+              <a:rPr lang="en-US" dirty="0">
                 <a:latin typeface="Consolas" panose="020B0609020204030204" pitchFamily="49" charset="0"/>
                 <a:cs typeface="Consolas" panose="020B0609020204030204" pitchFamily="49" charset="0"/>
               </a:rPr>
               <a:t>[</a:t>
             </a:r>
             <a:r>
-              <a:rPr lang="en-US" dirty="0" err="1" smtClean="0">
+              <a:rPr lang="en-US" dirty="0" err="1">
                 <a:latin typeface="Consolas" panose="020B0609020204030204" pitchFamily="49" charset="0"/>
                 <a:cs typeface="Consolas" panose="020B0609020204030204" pitchFamily="49" charset="0"/>
               </a:rPr>
               <a:t>postgres</a:t>
             </a:r>
             <a:r>
-              <a:rPr lang="en-US" dirty="0" smtClean="0">
+              <a:rPr lang="en-US" dirty="0">
                 <a:latin typeface="Consolas" panose="020B0609020204030204" pitchFamily="49" charset="0"/>
                 <a:cs typeface="Consolas" panose="020B0609020204030204" pitchFamily="49" charset="0"/>
               </a:rPr>
@@ -3760,56 +3771,56 @@
               <a:buNone/>
             </a:pPr>
             <a:r>
-              <a:rPr lang="en-US" dirty="0" err="1" smtClean="0">
+              <a:rPr lang="en-US" dirty="0" err="1">
                 <a:latin typeface="Consolas" panose="020B0609020204030204" pitchFamily="49" charset="0"/>
                 <a:cs typeface="Consolas" panose="020B0609020204030204" pitchFamily="49" charset="0"/>
               </a:rPr>
               <a:t>dsn</a:t>
             </a:r>
             <a:r>
-              <a:rPr lang="en-US" dirty="0" smtClean="0">
+              <a:rPr lang="en-US" dirty="0">
                 <a:latin typeface="Consolas" panose="020B0609020204030204" pitchFamily="49" charset="0"/>
                 <a:cs typeface="Consolas" panose="020B0609020204030204" pitchFamily="49" charset="0"/>
               </a:rPr>
               <a:t> = "host=/</a:t>
             </a:r>
             <a:r>
-              <a:rPr lang="en-US" dirty="0" err="1" smtClean="0">
+              <a:rPr lang="en-US" dirty="0" err="1">
                 <a:latin typeface="Consolas" panose="020B0609020204030204" pitchFamily="49" charset="0"/>
                 <a:cs typeface="Consolas" panose="020B0609020204030204" pitchFamily="49" charset="0"/>
               </a:rPr>
               <a:t>var</a:t>
             </a:r>
             <a:r>
-              <a:rPr lang="en-US" dirty="0" smtClean="0">
+              <a:rPr lang="en-US" dirty="0">
                 <a:latin typeface="Consolas" panose="020B0609020204030204" pitchFamily="49" charset="0"/>
                 <a:cs typeface="Consolas" panose="020B0609020204030204" pitchFamily="49" charset="0"/>
               </a:rPr>
               <a:t>/run/</a:t>
             </a:r>
             <a:r>
-              <a:rPr lang="en-US" dirty="0" err="1" smtClean="0">
+              <a:rPr lang="en-US" dirty="0" err="1">
                 <a:latin typeface="Consolas" panose="020B0609020204030204" pitchFamily="49" charset="0"/>
                 <a:cs typeface="Consolas" panose="020B0609020204030204" pitchFamily="49" charset="0"/>
               </a:rPr>
               <a:t>postgresql</a:t>
             </a:r>
             <a:r>
-              <a:rPr lang="en-US" dirty="0" smtClean="0">
+              <a:rPr lang="en-US" dirty="0">
                 <a:latin typeface="Consolas" panose="020B0609020204030204" pitchFamily="49" charset="0"/>
                 <a:cs typeface="Consolas" panose="020B0609020204030204" pitchFamily="49" charset="0"/>
               </a:rPr>
               <a:t> </a:t>
             </a:r>
             <a:r>
-              <a:rPr lang="en-US" dirty="0" err="1" smtClean="0">
+              <a:rPr lang="en-US" dirty="0" err="1">
                 <a:latin typeface="Consolas" panose="020B0609020204030204" pitchFamily="49" charset="0"/>
                 <a:cs typeface="Consolas" panose="020B0609020204030204" pitchFamily="49" charset="0"/>
               </a:rPr>
               <a:t>dbname</a:t>
             </a:r>
             <a:r>
-              <a:rPr lang="en-US" dirty="0" smtClean="0">
+              <a:rPr lang="en-US" dirty="0">
                 <a:latin typeface="Consolas" panose="020B0609020204030204" pitchFamily="49" charset="0"/>
                 <a:cs typeface="Consolas" panose="020B0609020204030204" pitchFamily="49" charset="0"/>
               </a:rPr>
@@ -3821,28 +3832,28 @@
               <a:buNone/>
             </a:pPr>
             <a:r>
-              <a:rPr lang="en-US" dirty="0" err="1" smtClean="0">
+              <a:rPr lang="en-US" dirty="0" err="1">
                 <a:latin typeface="Consolas" panose="020B0609020204030204" pitchFamily="49" charset="0"/>
                 <a:cs typeface="Consolas" panose="020B0609020204030204" pitchFamily="49" charset="0"/>
               </a:rPr>
               <a:t>updates_channel_name</a:t>
             </a:r>
             <a:r>
-              <a:rPr lang="en-US" dirty="0" smtClean="0">
+              <a:rPr lang="en-US" dirty="0">
                 <a:latin typeface="Consolas" panose="020B0609020204030204" pitchFamily="49" charset="0"/>
                 <a:cs typeface="Consolas" panose="020B0609020204030204" pitchFamily="49" charset="0"/>
               </a:rPr>
               <a:t> = "</a:t>
             </a:r>
             <a:r>
-              <a:rPr lang="en-US" dirty="0" err="1" smtClean="0">
+              <a:rPr lang="en-US" dirty="0" err="1">
                 <a:latin typeface="Consolas" panose="020B0609020204030204" pitchFamily="49" charset="0"/>
                 <a:cs typeface="Consolas" panose="020B0609020204030204" pitchFamily="49" charset="0"/>
               </a:rPr>
               <a:t>pgrunner</a:t>
             </a:r>
             <a:r>
-              <a:rPr lang="en-US" dirty="0" smtClean="0">
+              <a:rPr lang="en-US" dirty="0">
                 <a:latin typeface="Consolas" panose="020B0609020204030204" pitchFamily="49" charset="0"/>
                 <a:cs typeface="Consolas" panose="020B0609020204030204" pitchFamily="49" charset="0"/>
               </a:rPr>
@@ -3854,23 +3865,19 @@
               <a:buNone/>
             </a:pPr>
             <a:r>
-              <a:rPr lang="en-US" dirty="0" err="1" smtClean="0">
+              <a:rPr lang="en-US" dirty="0" err="1">
                 <a:latin typeface="Consolas" panose="020B0609020204030204" pitchFamily="49" charset="0"/>
                 <a:cs typeface="Consolas" panose="020B0609020204030204" pitchFamily="49" charset="0"/>
               </a:rPr>
               <a:t>table_name</a:t>
             </a:r>
             <a:r>
-              <a:rPr lang="en-US" dirty="0" smtClean="0">
+              <a:rPr lang="en-US" dirty="0">
                 <a:latin typeface="Consolas" panose="020B0609020204030204" pitchFamily="49" charset="0"/>
                 <a:cs typeface="Consolas" panose="020B0609020204030204" pitchFamily="49" charset="0"/>
               </a:rPr>
               <a:t> = "tasks"</a:t>
             </a:r>
-            <a:endParaRPr lang="en-US" dirty="0">
-              <a:latin typeface="Consolas" panose="020B0609020204030204" pitchFamily="49" charset="0"/>
-              <a:cs typeface="Consolas" panose="020B0609020204030204" pitchFamily="49" charset="0"/>
-            </a:endParaRPr>
           </a:p>
         </p:txBody>
       </p:sp>
